--- a/team5_new.pptx
+++ b/team5_new.pptx
@@ -6156,7 +6156,7 @@
           <p:cNvPr id="2" name="Title 1">
             <a:extLst>
               <a:ext uri="{FF2B5EF4-FFF2-40B4-BE49-F238E27FC236}">
-                <a16:creationId xmlns:a16="http://schemas.microsoft.com/office/drawing/2014/main" xmlns="" id="{821D72B5-E75C-445D-9C6E-16DEBCA47EC2}"/>
+                <a16:creationId xmlns="" xmlns:a16="http://schemas.microsoft.com/office/drawing/2014/main" id="{821D72B5-E75C-445D-9C6E-16DEBCA47EC2}"/>
               </a:ext>
             </a:extLst>
           </p:cNvPr>
@@ -6191,7 +6191,7 @@
           <p:cNvPr id="3" name="Subtitle 2">
             <a:extLst>
               <a:ext uri="{FF2B5EF4-FFF2-40B4-BE49-F238E27FC236}">
-                <a16:creationId xmlns:a16="http://schemas.microsoft.com/office/drawing/2014/main" xmlns="" id="{B569BCCA-DCB2-4127-B69D-83987395816D}"/>
+                <a16:creationId xmlns="" xmlns:a16="http://schemas.microsoft.com/office/drawing/2014/main" id="{B569BCCA-DCB2-4127-B69D-83987395816D}"/>
               </a:ext>
             </a:extLst>
           </p:cNvPr>
@@ -6233,7 +6233,7 @@
           <p:cNvPr id="4" name="TextBox 3">
             <a:extLst>
               <a:ext uri="{FF2B5EF4-FFF2-40B4-BE49-F238E27FC236}">
-                <a16:creationId xmlns:a16="http://schemas.microsoft.com/office/drawing/2014/main" xmlns="" id="{2BCF0B64-2521-4ECB-BD39-C06BAED99BCA}"/>
+                <a16:creationId xmlns="" xmlns:a16="http://schemas.microsoft.com/office/drawing/2014/main" id="{2BCF0B64-2521-4ECB-BD39-C06BAED99BCA}"/>
               </a:ext>
             </a:extLst>
           </p:cNvPr>
@@ -6300,7 +6300,7 @@
               <p:cNvPr id="3" name="Content Placeholder 2">
                 <a:extLst>
                   <a:ext uri="{FF2B5EF4-FFF2-40B4-BE49-F238E27FC236}">
-                    <a16:creationId xmlns:a16="http://schemas.microsoft.com/office/drawing/2014/main" xmlns="" id="{F4185466-070D-4634-A8CB-F57FE4D1A462}"/>
+                    <a16:creationId xmlns="" xmlns:a16="http://schemas.microsoft.com/office/drawing/2014/main" id="{F4185466-070D-4634-A8CB-F57FE4D1A462}"/>
                   </a:ext>
                 </a:extLst>
               </p:cNvPr>
@@ -6544,7 +6544,7 @@
           <p:cNvPr id="4" name="Title 1">
             <a:extLst>
               <a:ext uri="{FF2B5EF4-FFF2-40B4-BE49-F238E27FC236}">
-                <a16:creationId xmlns:a16="http://schemas.microsoft.com/office/drawing/2014/main" xmlns="" id="{EBC745D0-2DB8-45BF-B437-2C87FB9B9492}"/>
+                <a16:creationId xmlns="" xmlns:a16="http://schemas.microsoft.com/office/drawing/2014/main" id="{EBC745D0-2DB8-45BF-B437-2C87FB9B9492}"/>
               </a:ext>
             </a:extLst>
           </p:cNvPr>
@@ -6612,7 +6612,7 @@
               <p:cNvPr id="3" name="Content Placeholder 2">
                 <a:extLst>
                   <a:ext uri="{FF2B5EF4-FFF2-40B4-BE49-F238E27FC236}">
-                    <a16:creationId xmlns:a16="http://schemas.microsoft.com/office/drawing/2014/main" xmlns="" id="{69D71742-BF02-45C7-8C03-6E9BA01721CC}"/>
+                    <a16:creationId xmlns="" xmlns:a16="http://schemas.microsoft.com/office/drawing/2014/main" id="{69D71742-BF02-45C7-8C03-6E9BA01721CC}"/>
                   </a:ext>
                 </a:extLst>
               </p:cNvPr>
@@ -6742,7 +6742,7 @@
           <p:cNvPr id="4" name="Title 1">
             <a:extLst>
               <a:ext uri="{FF2B5EF4-FFF2-40B4-BE49-F238E27FC236}">
-                <a16:creationId xmlns:a16="http://schemas.microsoft.com/office/drawing/2014/main" xmlns="" id="{5DCDCAF7-84BF-4CEC-AD3A-D482C0D5D3B9}"/>
+                <a16:creationId xmlns="" xmlns:a16="http://schemas.microsoft.com/office/drawing/2014/main" id="{5DCDCAF7-84BF-4CEC-AD3A-D482C0D5D3B9}"/>
               </a:ext>
             </a:extLst>
           </p:cNvPr>
@@ -6808,7 +6808,7 @@
           <p:cNvPr id="4" name="Title 1">
             <a:extLst>
               <a:ext uri="{FF2B5EF4-FFF2-40B4-BE49-F238E27FC236}">
-                <a16:creationId xmlns:a16="http://schemas.microsoft.com/office/drawing/2014/main" xmlns="" id="{99264B02-AD73-44B5-B52D-59FAFC2CAF6B}"/>
+                <a16:creationId xmlns="" xmlns:a16="http://schemas.microsoft.com/office/drawing/2014/main" id="{99264B02-AD73-44B5-B52D-59FAFC2CAF6B}"/>
               </a:ext>
             </a:extLst>
           </p:cNvPr>
@@ -6849,7 +6849,7 @@
           <p:nvPr>
             <p:extLst>
               <p:ext uri="{D42A27DB-BD31-4B8C-83A1-F6EECF244321}">
-                <p14:modId xmlns:p14="http://schemas.microsoft.com/office/powerpoint/2010/main" val="1523815123"/>
+                <p14:modId xmlns:p14="http://schemas.microsoft.com/office/powerpoint/2010/main" val="1573266304"/>
               </p:ext>
             </p:extLst>
           </p:nvPr>
@@ -7503,13 +7503,22 @@
                         </a:spcAft>
                       </a:pPr>
                       <a:r>
-                        <a:rPr lang="en-US" sz="1600">
-                          <a:effectLst/>
-                          <a:latin typeface="Times New Roman" charset="0"/>
-                          <a:ea typeface="Times New Roman" charset="0"/>
-                          <a:cs typeface="Times New Roman" charset="0"/>
-                        </a:rPr>
-                        <a:t>2.82(1.38)</a:t>
+                        <a:rPr lang="en-US" sz="1600" dirty="0" smtClean="0">
+                          <a:effectLst/>
+                          <a:latin typeface="Times New Roman" charset="0"/>
+                          <a:ea typeface="Times New Roman" charset="0"/>
+                          <a:cs typeface="Times New Roman" charset="0"/>
+                        </a:rPr>
+                        <a:t>1.82(1.38</a:t>
+                      </a:r>
+                      <a:r>
+                        <a:rPr lang="en-US" sz="1600" dirty="0">
+                          <a:effectLst/>
+                          <a:latin typeface="Times New Roman" charset="0"/>
+                          <a:ea typeface="Times New Roman" charset="0"/>
+                          <a:cs typeface="Times New Roman" charset="0"/>
+                        </a:rPr>
+                        <a:t>)</a:t>
                       </a:r>
                     </a:p>
                   </a:txBody>
@@ -7532,13 +7541,31 @@
                         </a:spcAft>
                       </a:pPr>
                       <a:r>
-                        <a:rPr lang="en-US" sz="1600">
-                          <a:effectLst/>
-                          <a:latin typeface="Times New Roman" charset="0"/>
-                          <a:ea typeface="Times New Roman" charset="0"/>
-                          <a:cs typeface="Times New Roman" charset="0"/>
-                        </a:rPr>
-                        <a:t>2.13(1.02)</a:t>
+                        <a:rPr lang="en-US" sz="1600" dirty="0">
+                          <a:effectLst/>
+                          <a:latin typeface="Times New Roman" charset="0"/>
+                          <a:ea typeface="Times New Roman" charset="0"/>
+                          <a:cs typeface="Times New Roman" charset="0"/>
+                        </a:rPr>
+                        <a:t>1</a:t>
+                      </a:r>
+                      <a:r>
+                        <a:rPr lang="en-US" sz="1600" dirty="0" smtClean="0">
+                          <a:effectLst/>
+                          <a:latin typeface="Times New Roman" charset="0"/>
+                          <a:ea typeface="Times New Roman" charset="0"/>
+                          <a:cs typeface="Times New Roman" charset="0"/>
+                        </a:rPr>
+                        <a:t>.13(1.02</a:t>
+                      </a:r>
+                      <a:r>
+                        <a:rPr lang="en-US" sz="1600" dirty="0">
+                          <a:effectLst/>
+                          <a:latin typeface="Times New Roman" charset="0"/>
+                          <a:ea typeface="Times New Roman" charset="0"/>
+                          <a:cs typeface="Times New Roman" charset="0"/>
+                        </a:rPr>
+                        <a:t>)</a:t>
                       </a:r>
                     </a:p>
                   </a:txBody>
@@ -7561,13 +7588,31 @@
                         </a:spcAft>
                       </a:pPr>
                       <a:r>
-                        <a:rPr lang="en-US" sz="1600">
-                          <a:effectLst/>
-                          <a:latin typeface="Times New Roman" charset="0"/>
-                          <a:ea typeface="Times New Roman" charset="0"/>
-                          <a:cs typeface="Times New Roman" charset="0"/>
-                        </a:rPr>
-                        <a:t>2.67(0.57)</a:t>
+                        <a:rPr lang="en-US" sz="1600" dirty="0">
+                          <a:effectLst/>
+                          <a:latin typeface="Times New Roman" charset="0"/>
+                          <a:ea typeface="Times New Roman" charset="0"/>
+                          <a:cs typeface="Times New Roman" charset="0"/>
+                        </a:rPr>
+                        <a:t>1</a:t>
+                      </a:r>
+                      <a:r>
+                        <a:rPr lang="en-US" sz="1600" dirty="0" smtClean="0">
+                          <a:effectLst/>
+                          <a:latin typeface="Times New Roman" charset="0"/>
+                          <a:ea typeface="Times New Roman" charset="0"/>
+                          <a:cs typeface="Times New Roman" charset="0"/>
+                        </a:rPr>
+                        <a:t>.67(0.57</a:t>
+                      </a:r>
+                      <a:r>
+                        <a:rPr lang="en-US" sz="1600" dirty="0">
+                          <a:effectLst/>
+                          <a:latin typeface="Times New Roman" charset="0"/>
+                          <a:ea typeface="Times New Roman" charset="0"/>
+                          <a:cs typeface="Times New Roman" charset="0"/>
+                        </a:rPr>
+                        <a:t>)</a:t>
                       </a:r>
                     </a:p>
                   </a:txBody>
@@ -7728,13 +7773,31 @@
                         </a:spcAft>
                       </a:pPr>
                       <a:r>
-                        <a:rPr lang="en-US" sz="1600">
-                          <a:effectLst/>
-                          <a:latin typeface="Times New Roman" charset="0"/>
-                          <a:ea typeface="Times New Roman" charset="0"/>
-                          <a:cs typeface="Times New Roman" charset="0"/>
-                        </a:rPr>
-                        <a:t>1.25(0.14)</a:t>
+                        <a:rPr lang="en-US" sz="1600" dirty="0">
+                          <a:effectLst/>
+                          <a:latin typeface="Times New Roman" charset="0"/>
+                          <a:ea typeface="Times New Roman" charset="0"/>
+                          <a:cs typeface="Times New Roman" charset="0"/>
+                        </a:rPr>
+                        <a:t>0</a:t>
+                      </a:r>
+                      <a:r>
+                        <a:rPr lang="en-US" sz="1600" dirty="0" smtClean="0">
+                          <a:effectLst/>
+                          <a:latin typeface="Times New Roman" charset="0"/>
+                          <a:ea typeface="Times New Roman" charset="0"/>
+                          <a:cs typeface="Times New Roman" charset="0"/>
+                        </a:rPr>
+                        <a:t>.25(0.14</a:t>
+                      </a:r>
+                      <a:r>
+                        <a:rPr lang="en-US" sz="1600" dirty="0">
+                          <a:effectLst/>
+                          <a:latin typeface="Times New Roman" charset="0"/>
+                          <a:ea typeface="Times New Roman" charset="0"/>
+                          <a:cs typeface="Times New Roman" charset="0"/>
+                        </a:rPr>
+                        <a:t>)</a:t>
                       </a:r>
                     </a:p>
                   </a:txBody>
@@ -7757,13 +7820,31 @@
                         </a:spcAft>
                       </a:pPr>
                       <a:r>
-                        <a:rPr lang="en-US" sz="1600">
-                          <a:effectLst/>
-                          <a:latin typeface="Times New Roman" charset="0"/>
-                          <a:ea typeface="Times New Roman" charset="0"/>
-                          <a:cs typeface="Times New Roman" charset="0"/>
-                        </a:rPr>
-                        <a:t>1.14(0.06)</a:t>
+                        <a:rPr lang="en-US" sz="1600" dirty="0">
+                          <a:effectLst/>
+                          <a:latin typeface="Times New Roman" charset="0"/>
+                          <a:ea typeface="Times New Roman" charset="0"/>
+                          <a:cs typeface="Times New Roman" charset="0"/>
+                        </a:rPr>
+                        <a:t>0</a:t>
+                      </a:r>
+                      <a:r>
+                        <a:rPr lang="en-US" sz="1600" dirty="0" smtClean="0">
+                          <a:effectLst/>
+                          <a:latin typeface="Times New Roman" charset="0"/>
+                          <a:ea typeface="Times New Roman" charset="0"/>
+                          <a:cs typeface="Times New Roman" charset="0"/>
+                        </a:rPr>
+                        <a:t>.14(0.06</a:t>
+                      </a:r>
+                      <a:r>
+                        <a:rPr lang="en-US" sz="1600" dirty="0">
+                          <a:effectLst/>
+                          <a:latin typeface="Times New Roman" charset="0"/>
+                          <a:ea typeface="Times New Roman" charset="0"/>
+                          <a:cs typeface="Times New Roman" charset="0"/>
+                        </a:rPr>
+                        <a:t>)</a:t>
                       </a:r>
                     </a:p>
                   </a:txBody>
@@ -7786,13 +7867,31 @@
                         </a:spcAft>
                       </a:pPr>
                       <a:r>
-                        <a:rPr lang="en-US" sz="1600">
-                          <a:effectLst/>
-                          <a:latin typeface="Times New Roman" charset="0"/>
-                          <a:ea typeface="Times New Roman" charset="0"/>
-                          <a:cs typeface="Times New Roman" charset="0"/>
-                        </a:rPr>
-                        <a:t>1.07(0.01)</a:t>
+                        <a:rPr lang="en-US" sz="1600" dirty="0">
+                          <a:effectLst/>
+                          <a:latin typeface="Times New Roman" charset="0"/>
+                          <a:ea typeface="Times New Roman" charset="0"/>
+                          <a:cs typeface="Times New Roman" charset="0"/>
+                        </a:rPr>
+                        <a:t>0</a:t>
+                      </a:r>
+                      <a:r>
+                        <a:rPr lang="en-US" sz="1600" dirty="0" smtClean="0">
+                          <a:effectLst/>
+                          <a:latin typeface="Times New Roman" charset="0"/>
+                          <a:ea typeface="Times New Roman" charset="0"/>
+                          <a:cs typeface="Times New Roman" charset="0"/>
+                        </a:rPr>
+                        <a:t>.07(0.01</a:t>
+                      </a:r>
+                      <a:r>
+                        <a:rPr lang="en-US" sz="1600" dirty="0">
+                          <a:effectLst/>
+                          <a:latin typeface="Times New Roman" charset="0"/>
+                          <a:ea typeface="Times New Roman" charset="0"/>
+                          <a:cs typeface="Times New Roman" charset="0"/>
+                        </a:rPr>
+                        <a:t>)</a:t>
                       </a:r>
                     </a:p>
                   </a:txBody>
@@ -7959,7 +8058,25 @@
                           <a:ea typeface="Times New Roman" charset="0"/>
                           <a:cs typeface="Times New Roman" charset="0"/>
                         </a:rPr>
-                        <a:t>1.24(0.01)</a:t>
+                        <a:t>0</a:t>
+                      </a:r>
+                      <a:r>
+                        <a:rPr lang="en-US" sz="1600" dirty="0" smtClean="0">
+                          <a:effectLst/>
+                          <a:latin typeface="Times New Roman" charset="0"/>
+                          <a:ea typeface="Times New Roman" charset="0"/>
+                          <a:cs typeface="Times New Roman" charset="0"/>
+                        </a:rPr>
+                        <a:t>.24(0.01</a:t>
+                      </a:r>
+                      <a:r>
+                        <a:rPr lang="en-US" sz="1600" dirty="0">
+                          <a:effectLst/>
+                          <a:latin typeface="Times New Roman" charset="0"/>
+                          <a:ea typeface="Times New Roman" charset="0"/>
+                          <a:cs typeface="Times New Roman" charset="0"/>
+                        </a:rPr>
+                        <a:t>)</a:t>
                       </a:r>
                     </a:p>
                   </a:txBody>
@@ -7982,13 +8099,31 @@
                         </a:spcAft>
                       </a:pPr>
                       <a:r>
-                        <a:rPr lang="en-US" sz="1600">
-                          <a:effectLst/>
-                          <a:latin typeface="Times New Roman" charset="0"/>
-                          <a:ea typeface="Times New Roman" charset="0"/>
-                          <a:cs typeface="Times New Roman" charset="0"/>
-                        </a:rPr>
-                        <a:t>1.16(0.01)</a:t>
+                        <a:rPr lang="en-US" sz="1600" dirty="0">
+                          <a:effectLst/>
+                          <a:latin typeface="Times New Roman" charset="0"/>
+                          <a:ea typeface="Times New Roman" charset="0"/>
+                          <a:cs typeface="Times New Roman" charset="0"/>
+                        </a:rPr>
+                        <a:t>0</a:t>
+                      </a:r>
+                      <a:r>
+                        <a:rPr lang="en-US" sz="1600" dirty="0" smtClean="0">
+                          <a:effectLst/>
+                          <a:latin typeface="Times New Roman" charset="0"/>
+                          <a:ea typeface="Times New Roman" charset="0"/>
+                          <a:cs typeface="Times New Roman" charset="0"/>
+                        </a:rPr>
+                        <a:t>.16(0.01</a:t>
+                      </a:r>
+                      <a:r>
+                        <a:rPr lang="en-US" sz="1600" dirty="0">
+                          <a:effectLst/>
+                          <a:latin typeface="Times New Roman" charset="0"/>
+                          <a:ea typeface="Times New Roman" charset="0"/>
+                          <a:cs typeface="Times New Roman" charset="0"/>
+                        </a:rPr>
+                        <a:t>)</a:t>
                       </a:r>
                     </a:p>
                   </a:txBody>
@@ -8011,13 +8146,31 @@
                         </a:spcAft>
                       </a:pPr>
                       <a:r>
-                        <a:rPr lang="en-US" sz="1600">
-                          <a:effectLst/>
-                          <a:latin typeface="Times New Roman" charset="0"/>
-                          <a:ea typeface="Times New Roman" charset="0"/>
-                          <a:cs typeface="Times New Roman" charset="0"/>
-                        </a:rPr>
-                        <a:t>1.09(0.01)</a:t>
+                        <a:rPr lang="en-US" sz="1600" dirty="0">
+                          <a:effectLst/>
+                          <a:latin typeface="Times New Roman" charset="0"/>
+                          <a:ea typeface="Times New Roman" charset="0"/>
+                          <a:cs typeface="Times New Roman" charset="0"/>
+                        </a:rPr>
+                        <a:t>0</a:t>
+                      </a:r>
+                      <a:r>
+                        <a:rPr lang="en-US" sz="1600" dirty="0" smtClean="0">
+                          <a:effectLst/>
+                          <a:latin typeface="Times New Roman" charset="0"/>
+                          <a:ea typeface="Times New Roman" charset="0"/>
+                          <a:cs typeface="Times New Roman" charset="0"/>
+                        </a:rPr>
+                        <a:t>.09(0.01</a:t>
+                      </a:r>
+                      <a:r>
+                        <a:rPr lang="en-US" sz="1600" dirty="0">
+                          <a:effectLst/>
+                          <a:latin typeface="Times New Roman" charset="0"/>
+                          <a:ea typeface="Times New Roman" charset="0"/>
+                          <a:cs typeface="Times New Roman" charset="0"/>
+                        </a:rPr>
+                        <a:t>)</a:t>
                       </a:r>
                     </a:p>
                   </a:txBody>
@@ -8203,7 +8356,25 @@
                           <a:ea typeface="Times New Roman" charset="0"/>
                           <a:cs typeface="Times New Roman" charset="0"/>
                         </a:rPr>
-                        <a:t>1.22(0.01)</a:t>
+                        <a:t>0</a:t>
+                      </a:r>
+                      <a:r>
+                        <a:rPr lang="en-US" sz="1600" dirty="0" smtClean="0">
+                          <a:effectLst/>
+                          <a:latin typeface="Times New Roman" charset="0"/>
+                          <a:ea typeface="Times New Roman" charset="0"/>
+                          <a:cs typeface="Times New Roman" charset="0"/>
+                        </a:rPr>
+                        <a:t>.22(0.01</a:t>
+                      </a:r>
+                      <a:r>
+                        <a:rPr lang="en-US" sz="1600" dirty="0">
+                          <a:effectLst/>
+                          <a:latin typeface="Times New Roman" charset="0"/>
+                          <a:ea typeface="Times New Roman" charset="0"/>
+                          <a:cs typeface="Times New Roman" charset="0"/>
+                        </a:rPr>
+                        <a:t>)</a:t>
                       </a:r>
                     </a:p>
                   </a:txBody>
@@ -8226,13 +8397,31 @@
                         </a:spcAft>
                       </a:pPr>
                       <a:r>
-                        <a:rPr lang="en-US" sz="1600">
-                          <a:effectLst/>
-                          <a:latin typeface="Times New Roman" charset="0"/>
-                          <a:ea typeface="Times New Roman" charset="0"/>
-                          <a:cs typeface="Times New Roman" charset="0"/>
-                        </a:rPr>
-                        <a:t>1.16(0.01)</a:t>
+                        <a:rPr lang="en-US" sz="1600" dirty="0">
+                          <a:effectLst/>
+                          <a:latin typeface="Times New Roman" charset="0"/>
+                          <a:ea typeface="Times New Roman" charset="0"/>
+                          <a:cs typeface="Times New Roman" charset="0"/>
+                        </a:rPr>
+                        <a:t>0</a:t>
+                      </a:r>
+                      <a:r>
+                        <a:rPr lang="en-US" sz="1600" dirty="0" smtClean="0">
+                          <a:effectLst/>
+                          <a:latin typeface="Times New Roman" charset="0"/>
+                          <a:ea typeface="Times New Roman" charset="0"/>
+                          <a:cs typeface="Times New Roman" charset="0"/>
+                        </a:rPr>
+                        <a:t>.16(0.01</a:t>
+                      </a:r>
+                      <a:r>
+                        <a:rPr lang="en-US" sz="1600" dirty="0">
+                          <a:effectLst/>
+                          <a:latin typeface="Times New Roman" charset="0"/>
+                          <a:ea typeface="Times New Roman" charset="0"/>
+                          <a:cs typeface="Times New Roman" charset="0"/>
+                        </a:rPr>
+                        <a:t>)</a:t>
                       </a:r>
                     </a:p>
                   </a:txBody>
@@ -8255,13 +8444,31 @@
                         </a:spcAft>
                       </a:pPr>
                       <a:r>
-                        <a:rPr lang="en-US" sz="1600">
-                          <a:effectLst/>
-                          <a:latin typeface="Times New Roman" charset="0"/>
-                          <a:ea typeface="Times New Roman" charset="0"/>
-                          <a:cs typeface="Times New Roman" charset="0"/>
-                        </a:rPr>
-                        <a:t>1.10(0.01)</a:t>
+                        <a:rPr lang="en-US" sz="1600" dirty="0">
+                          <a:effectLst/>
+                          <a:latin typeface="Times New Roman" charset="0"/>
+                          <a:ea typeface="Times New Roman" charset="0"/>
+                          <a:cs typeface="Times New Roman" charset="0"/>
+                        </a:rPr>
+                        <a:t>0</a:t>
+                      </a:r>
+                      <a:r>
+                        <a:rPr lang="en-US" sz="1600" dirty="0" smtClean="0">
+                          <a:effectLst/>
+                          <a:latin typeface="Times New Roman" charset="0"/>
+                          <a:ea typeface="Times New Roman" charset="0"/>
+                          <a:cs typeface="Times New Roman" charset="0"/>
+                        </a:rPr>
+                        <a:t>.10(0.01</a:t>
+                      </a:r>
+                      <a:r>
+                        <a:rPr lang="en-US" sz="1600" dirty="0">
+                          <a:effectLst/>
+                          <a:latin typeface="Times New Roman" charset="0"/>
+                          <a:ea typeface="Times New Roman" charset="0"/>
+                          <a:cs typeface="Times New Roman" charset="0"/>
+                        </a:rPr>
+                        <a:t>)</a:t>
                       </a:r>
                     </a:p>
                   </a:txBody>
@@ -8422,13 +8629,31 @@
                         </a:spcAft>
                       </a:pPr>
                       <a:r>
-                        <a:rPr lang="en-US" sz="1600">
-                          <a:effectLst/>
-                          <a:latin typeface="Times New Roman" charset="0"/>
-                          <a:ea typeface="Times New Roman" charset="0"/>
-                          <a:cs typeface="Times New Roman" charset="0"/>
-                        </a:rPr>
-                        <a:t>1.21(0.009)</a:t>
+                        <a:rPr lang="en-US" sz="1600" dirty="0">
+                          <a:effectLst/>
+                          <a:latin typeface="Times New Roman" charset="0"/>
+                          <a:ea typeface="Times New Roman" charset="0"/>
+                          <a:cs typeface="Times New Roman" charset="0"/>
+                        </a:rPr>
+                        <a:t>0</a:t>
+                      </a:r>
+                      <a:r>
+                        <a:rPr lang="en-US" sz="1600" dirty="0" smtClean="0">
+                          <a:effectLst/>
+                          <a:latin typeface="Times New Roman" charset="0"/>
+                          <a:ea typeface="Times New Roman" charset="0"/>
+                          <a:cs typeface="Times New Roman" charset="0"/>
+                        </a:rPr>
+                        <a:t>.21(0.009</a:t>
+                      </a:r>
+                      <a:r>
+                        <a:rPr lang="en-US" sz="1600" dirty="0">
+                          <a:effectLst/>
+                          <a:latin typeface="Times New Roman" charset="0"/>
+                          <a:ea typeface="Times New Roman" charset="0"/>
+                          <a:cs typeface="Times New Roman" charset="0"/>
+                        </a:rPr>
+                        <a:t>)</a:t>
                       </a:r>
                     </a:p>
                   </a:txBody>
@@ -8457,7 +8682,25 @@
                           <a:ea typeface="Times New Roman" charset="0"/>
                           <a:cs typeface="Times New Roman" charset="0"/>
                         </a:rPr>
-                        <a:t>1.16(0.008)</a:t>
+                        <a:t>0</a:t>
+                      </a:r>
+                      <a:r>
+                        <a:rPr lang="en-US" sz="1600" dirty="0" smtClean="0">
+                          <a:effectLst/>
+                          <a:latin typeface="Times New Roman" charset="0"/>
+                          <a:ea typeface="Times New Roman" charset="0"/>
+                          <a:cs typeface="Times New Roman" charset="0"/>
+                        </a:rPr>
+                        <a:t>.16(0.008</a:t>
+                      </a:r>
+                      <a:r>
+                        <a:rPr lang="en-US" sz="1600" dirty="0">
+                          <a:effectLst/>
+                          <a:latin typeface="Times New Roman" charset="0"/>
+                          <a:ea typeface="Times New Roman" charset="0"/>
+                          <a:cs typeface="Times New Roman" charset="0"/>
+                        </a:rPr>
+                        <a:t>)</a:t>
                       </a:r>
                     </a:p>
                   </a:txBody>
@@ -8480,13 +8723,22 @@
                         </a:spcAft>
                       </a:pPr>
                       <a:r>
-                        <a:rPr lang="en-US" sz="1600">
-                          <a:effectLst/>
-                          <a:latin typeface="Times New Roman" charset="0"/>
-                          <a:ea typeface="Times New Roman" charset="0"/>
-                          <a:cs typeface="Times New Roman" charset="0"/>
-                        </a:rPr>
-                        <a:t>1.11(0.005)</a:t>
+                        <a:rPr lang="en-US" sz="1600" dirty="0" smtClean="0">
+                          <a:effectLst/>
+                          <a:latin typeface="Times New Roman" charset="0"/>
+                          <a:ea typeface="Times New Roman" charset="0"/>
+                          <a:cs typeface="Times New Roman" charset="0"/>
+                        </a:rPr>
+                        <a:t>0.11(0.005</a:t>
+                      </a:r>
+                      <a:r>
+                        <a:rPr lang="en-US" sz="1600" dirty="0">
+                          <a:effectLst/>
+                          <a:latin typeface="Times New Roman" charset="0"/>
+                          <a:ea typeface="Times New Roman" charset="0"/>
+                          <a:cs typeface="Times New Roman" charset="0"/>
+                        </a:rPr>
+                        <a:t>)</a:t>
                       </a:r>
                     </a:p>
                   </a:txBody>
@@ -8685,13 +8937,31 @@
                         </a:spcAft>
                       </a:pPr>
                       <a:r>
-                        <a:rPr lang="en-US" sz="1600">
-                          <a:effectLst/>
-                          <a:latin typeface="Times New Roman" charset="0"/>
-                          <a:ea typeface="Times New Roman" charset="0"/>
-                          <a:cs typeface="Times New Roman" charset="0"/>
-                        </a:rPr>
-                        <a:t>3.72(0.04)</a:t>
+                        <a:rPr lang="en-US" sz="1600" dirty="0">
+                          <a:effectLst/>
+                          <a:latin typeface="Times New Roman" charset="0"/>
+                          <a:ea typeface="Times New Roman" charset="0"/>
+                          <a:cs typeface="Times New Roman" charset="0"/>
+                        </a:rPr>
+                        <a:t>2</a:t>
+                      </a:r>
+                      <a:r>
+                        <a:rPr lang="en-US" sz="1600" dirty="0" smtClean="0">
+                          <a:effectLst/>
+                          <a:latin typeface="Times New Roman" charset="0"/>
+                          <a:ea typeface="Times New Roman" charset="0"/>
+                          <a:cs typeface="Times New Roman" charset="0"/>
+                        </a:rPr>
+                        <a:t>.72(0.04</a:t>
+                      </a:r>
+                      <a:r>
+                        <a:rPr lang="en-US" sz="1600" dirty="0">
+                          <a:effectLst/>
+                          <a:latin typeface="Times New Roman" charset="0"/>
+                          <a:ea typeface="Times New Roman" charset="0"/>
+                          <a:cs typeface="Times New Roman" charset="0"/>
+                        </a:rPr>
+                        <a:t>)</a:t>
                       </a:r>
                     </a:p>
                   </a:txBody>
@@ -8714,13 +8984,22 @@
                         </a:spcAft>
                       </a:pPr>
                       <a:r>
-                        <a:rPr lang="en-US" sz="1600">
-                          <a:effectLst/>
-                          <a:latin typeface="Times New Roman" charset="0"/>
-                          <a:ea typeface="Times New Roman" charset="0"/>
-                          <a:cs typeface="Times New Roman" charset="0"/>
-                        </a:rPr>
-                        <a:t>2.03(1.46)</a:t>
+                        <a:rPr lang="en-US" sz="1600" dirty="0" smtClean="0">
+                          <a:effectLst/>
+                          <a:latin typeface="Times New Roman" charset="0"/>
+                          <a:ea typeface="Times New Roman" charset="0"/>
+                          <a:cs typeface="Times New Roman" charset="0"/>
+                        </a:rPr>
+                        <a:t>1.03(1.46</a:t>
+                      </a:r>
+                      <a:r>
+                        <a:rPr lang="en-US" sz="1600" dirty="0">
+                          <a:effectLst/>
+                          <a:latin typeface="Times New Roman" charset="0"/>
+                          <a:ea typeface="Times New Roman" charset="0"/>
+                          <a:cs typeface="Times New Roman" charset="0"/>
+                        </a:rPr>
+                        <a:t>)</a:t>
                       </a:r>
                     </a:p>
                   </a:txBody>
@@ -8743,13 +9022,31 @@
                         </a:spcAft>
                       </a:pPr>
                       <a:r>
-                        <a:rPr lang="en-US" sz="1600">
-                          <a:effectLst/>
-                          <a:latin typeface="Times New Roman" charset="0"/>
-                          <a:ea typeface="Times New Roman" charset="0"/>
-                          <a:cs typeface="Times New Roman" charset="0"/>
-                        </a:rPr>
-                        <a:t>1.66(0.81)</a:t>
+                        <a:rPr lang="en-US" sz="1600" dirty="0">
+                          <a:effectLst/>
+                          <a:latin typeface="Times New Roman" charset="0"/>
+                          <a:ea typeface="Times New Roman" charset="0"/>
+                          <a:cs typeface="Times New Roman" charset="0"/>
+                        </a:rPr>
+                        <a:t>0</a:t>
+                      </a:r>
+                      <a:r>
+                        <a:rPr lang="en-US" sz="1600" dirty="0" smtClean="0">
+                          <a:effectLst/>
+                          <a:latin typeface="Times New Roman" charset="0"/>
+                          <a:ea typeface="Times New Roman" charset="0"/>
+                          <a:cs typeface="Times New Roman" charset="0"/>
+                        </a:rPr>
+                        <a:t>.66(0.81</a:t>
+                      </a:r>
+                      <a:r>
+                        <a:rPr lang="en-US" sz="1600" dirty="0">
+                          <a:effectLst/>
+                          <a:latin typeface="Times New Roman" charset="0"/>
+                          <a:ea typeface="Times New Roman" charset="0"/>
+                          <a:cs typeface="Times New Roman" charset="0"/>
+                        </a:rPr>
+                        <a:t>)</a:t>
                       </a:r>
                     </a:p>
                   </a:txBody>
@@ -8929,13 +9226,31 @@
                         </a:spcAft>
                       </a:pPr>
                       <a:r>
-                        <a:rPr lang="en-US" sz="1600">
-                          <a:effectLst/>
-                          <a:latin typeface="Times New Roman" charset="0"/>
-                          <a:ea typeface="Times New Roman" charset="0"/>
-                          <a:cs typeface="Times New Roman" charset="0"/>
-                        </a:rPr>
-                        <a:t>1.37(0.01)</a:t>
+                        <a:rPr lang="en-US" sz="1600" dirty="0">
+                          <a:effectLst/>
+                          <a:latin typeface="Times New Roman" charset="0"/>
+                          <a:ea typeface="Times New Roman" charset="0"/>
+                          <a:cs typeface="Times New Roman" charset="0"/>
+                        </a:rPr>
+                        <a:t>0</a:t>
+                      </a:r>
+                      <a:r>
+                        <a:rPr lang="en-US" sz="1600" dirty="0" smtClean="0">
+                          <a:effectLst/>
+                          <a:latin typeface="Times New Roman" charset="0"/>
+                          <a:ea typeface="Times New Roman" charset="0"/>
+                          <a:cs typeface="Times New Roman" charset="0"/>
+                        </a:rPr>
+                        <a:t>.37(0.01</a:t>
+                      </a:r>
+                      <a:r>
+                        <a:rPr lang="en-US" sz="1600" dirty="0">
+                          <a:effectLst/>
+                          <a:latin typeface="Times New Roman" charset="0"/>
+                          <a:ea typeface="Times New Roman" charset="0"/>
+                          <a:cs typeface="Times New Roman" charset="0"/>
+                        </a:rPr>
+                        <a:t>)</a:t>
                       </a:r>
                     </a:p>
                   </a:txBody>
@@ -8958,13 +9273,22 @@
                         </a:spcAft>
                       </a:pPr>
                       <a:r>
-                        <a:rPr lang="en-US" sz="1600">
-                          <a:effectLst/>
-                          <a:latin typeface="Times New Roman" charset="0"/>
-                          <a:ea typeface="Times New Roman" charset="0"/>
-                          <a:cs typeface="Times New Roman" charset="0"/>
-                        </a:rPr>
-                        <a:t>1.30(0.01)</a:t>
+                        <a:rPr lang="en-US" sz="1600" dirty="0" smtClean="0">
+                          <a:effectLst/>
+                          <a:latin typeface="Times New Roman" charset="0"/>
+                          <a:ea typeface="Times New Roman" charset="0"/>
+                          <a:cs typeface="Times New Roman" charset="0"/>
+                        </a:rPr>
+                        <a:t>0.30(0.01</a:t>
+                      </a:r>
+                      <a:r>
+                        <a:rPr lang="en-US" sz="1600" dirty="0">
+                          <a:effectLst/>
+                          <a:latin typeface="Times New Roman" charset="0"/>
+                          <a:ea typeface="Times New Roman" charset="0"/>
+                          <a:cs typeface="Times New Roman" charset="0"/>
+                        </a:rPr>
+                        <a:t>)</a:t>
                       </a:r>
                     </a:p>
                   </a:txBody>
@@ -8987,13 +9311,31 @@
                         </a:spcAft>
                       </a:pPr>
                       <a:r>
-                        <a:rPr lang="en-US" sz="1600">
-                          <a:effectLst/>
-                          <a:latin typeface="Times New Roman" charset="0"/>
-                          <a:ea typeface="Times New Roman" charset="0"/>
-                          <a:cs typeface="Times New Roman" charset="0"/>
-                        </a:rPr>
-                        <a:t>1.19(0.004)</a:t>
+                        <a:rPr lang="en-US" sz="1600" dirty="0">
+                          <a:effectLst/>
+                          <a:latin typeface="Times New Roman" charset="0"/>
+                          <a:ea typeface="Times New Roman" charset="0"/>
+                          <a:cs typeface="Times New Roman" charset="0"/>
+                        </a:rPr>
+                        <a:t>0</a:t>
+                      </a:r>
+                      <a:r>
+                        <a:rPr lang="en-US" sz="1600" dirty="0" smtClean="0">
+                          <a:effectLst/>
+                          <a:latin typeface="Times New Roman" charset="0"/>
+                          <a:ea typeface="Times New Roman" charset="0"/>
+                          <a:cs typeface="Times New Roman" charset="0"/>
+                        </a:rPr>
+                        <a:t>.19(0.004</a:t>
+                      </a:r>
+                      <a:r>
+                        <a:rPr lang="en-US" sz="1600" dirty="0">
+                          <a:effectLst/>
+                          <a:latin typeface="Times New Roman" charset="0"/>
+                          <a:ea typeface="Times New Roman" charset="0"/>
+                          <a:cs typeface="Times New Roman" charset="0"/>
+                        </a:rPr>
+                        <a:t>)</a:t>
                       </a:r>
                     </a:p>
                   </a:txBody>
@@ -9173,13 +9515,31 @@
                         </a:spcAft>
                       </a:pPr>
                       <a:r>
-                        <a:rPr lang="en-US" sz="1600">
-                          <a:effectLst/>
-                          <a:latin typeface="Times New Roman" charset="0"/>
-                          <a:ea typeface="Times New Roman" charset="0"/>
-                          <a:cs typeface="Times New Roman" charset="0"/>
-                        </a:rPr>
-                        <a:t>1.44(0.02)</a:t>
+                        <a:rPr lang="en-US" sz="1600" dirty="0">
+                          <a:effectLst/>
+                          <a:latin typeface="Times New Roman" charset="0"/>
+                          <a:ea typeface="Times New Roman" charset="0"/>
+                          <a:cs typeface="Times New Roman" charset="0"/>
+                        </a:rPr>
+                        <a:t>0</a:t>
+                      </a:r>
+                      <a:r>
+                        <a:rPr lang="en-US" sz="1600" dirty="0" smtClean="0">
+                          <a:effectLst/>
+                          <a:latin typeface="Times New Roman" charset="0"/>
+                          <a:ea typeface="Times New Roman" charset="0"/>
+                          <a:cs typeface="Times New Roman" charset="0"/>
+                        </a:rPr>
+                        <a:t>.44(0.02</a:t>
+                      </a:r>
+                      <a:r>
+                        <a:rPr lang="en-US" sz="1600" dirty="0">
+                          <a:effectLst/>
+                          <a:latin typeface="Times New Roman" charset="0"/>
+                          <a:ea typeface="Times New Roman" charset="0"/>
+                          <a:cs typeface="Times New Roman" charset="0"/>
+                        </a:rPr>
+                        <a:t>)</a:t>
                       </a:r>
                     </a:p>
                   </a:txBody>
@@ -9202,13 +9562,22 @@
                         </a:spcAft>
                       </a:pPr>
                       <a:r>
-                        <a:rPr lang="en-US" sz="1600">
-                          <a:effectLst/>
-                          <a:latin typeface="Times New Roman" charset="0"/>
-                          <a:ea typeface="Times New Roman" charset="0"/>
-                          <a:cs typeface="Times New Roman" charset="0"/>
-                        </a:rPr>
-                        <a:t>1.32(0.01)</a:t>
+                        <a:rPr lang="en-US" sz="1600" dirty="0" smtClean="0">
+                          <a:effectLst/>
+                          <a:latin typeface="Times New Roman" charset="0"/>
+                          <a:ea typeface="Times New Roman" charset="0"/>
+                          <a:cs typeface="Times New Roman" charset="0"/>
+                        </a:rPr>
+                        <a:t>0.32(0.01</a:t>
+                      </a:r>
+                      <a:r>
+                        <a:rPr lang="en-US" sz="1600" dirty="0">
+                          <a:effectLst/>
+                          <a:latin typeface="Times New Roman" charset="0"/>
+                          <a:ea typeface="Times New Roman" charset="0"/>
+                          <a:cs typeface="Times New Roman" charset="0"/>
+                        </a:rPr>
+                        <a:t>)</a:t>
                       </a:r>
                     </a:p>
                   </a:txBody>
@@ -9231,13 +9600,31 @@
                         </a:spcAft>
                       </a:pPr>
                       <a:r>
-                        <a:rPr lang="en-US" sz="1600">
-                          <a:effectLst/>
-                          <a:latin typeface="Times New Roman" charset="0"/>
-                          <a:ea typeface="Times New Roman" charset="0"/>
-                          <a:cs typeface="Times New Roman" charset="0"/>
-                        </a:rPr>
-                        <a:t>1.22(0.01)</a:t>
+                        <a:rPr lang="en-US" sz="1600" dirty="0">
+                          <a:effectLst/>
+                          <a:latin typeface="Times New Roman" charset="0"/>
+                          <a:ea typeface="Times New Roman" charset="0"/>
+                          <a:cs typeface="Times New Roman" charset="0"/>
+                        </a:rPr>
+                        <a:t>0</a:t>
+                      </a:r>
+                      <a:r>
+                        <a:rPr lang="en-US" sz="1600" dirty="0" smtClean="0">
+                          <a:effectLst/>
+                          <a:latin typeface="Times New Roman" charset="0"/>
+                          <a:ea typeface="Times New Roman" charset="0"/>
+                          <a:cs typeface="Times New Roman" charset="0"/>
+                        </a:rPr>
+                        <a:t>.22(0.01</a:t>
+                      </a:r>
+                      <a:r>
+                        <a:rPr lang="en-US" sz="1600" dirty="0">
+                          <a:effectLst/>
+                          <a:latin typeface="Times New Roman" charset="0"/>
+                          <a:ea typeface="Times New Roman" charset="0"/>
+                          <a:cs typeface="Times New Roman" charset="0"/>
+                        </a:rPr>
+                        <a:t>)</a:t>
                       </a:r>
                     </a:p>
                   </a:txBody>
@@ -9417,13 +9804,31 @@
                         </a:spcAft>
                       </a:pPr>
                       <a:r>
-                        <a:rPr lang="en-US" sz="1600">
-                          <a:effectLst/>
-                          <a:latin typeface="Times New Roman" charset="0"/>
-                          <a:ea typeface="Times New Roman" charset="0"/>
-                          <a:cs typeface="Times New Roman" charset="0"/>
-                        </a:rPr>
-                        <a:t>1.33(0.007)</a:t>
+                        <a:rPr lang="en-US" sz="1600" dirty="0">
+                          <a:effectLst/>
+                          <a:latin typeface="Times New Roman" charset="0"/>
+                          <a:ea typeface="Times New Roman" charset="0"/>
+                          <a:cs typeface="Times New Roman" charset="0"/>
+                        </a:rPr>
+                        <a:t>0</a:t>
+                      </a:r>
+                      <a:r>
+                        <a:rPr lang="en-US" sz="1600" dirty="0" smtClean="0">
+                          <a:effectLst/>
+                          <a:latin typeface="Times New Roman" charset="0"/>
+                          <a:ea typeface="Times New Roman" charset="0"/>
+                          <a:cs typeface="Times New Roman" charset="0"/>
+                        </a:rPr>
+                        <a:t>.33(0.007</a:t>
+                      </a:r>
+                      <a:r>
+                        <a:rPr lang="en-US" sz="1600" dirty="0">
+                          <a:effectLst/>
+                          <a:latin typeface="Times New Roman" charset="0"/>
+                          <a:ea typeface="Times New Roman" charset="0"/>
+                          <a:cs typeface="Times New Roman" charset="0"/>
+                        </a:rPr>
+                        <a:t>)</a:t>
                       </a:r>
                     </a:p>
                   </a:txBody>
@@ -9446,13 +9851,31 @@
                         </a:spcAft>
                       </a:pPr>
                       <a:r>
-                        <a:rPr lang="en-US" sz="1600">
-                          <a:effectLst/>
-                          <a:latin typeface="Times New Roman" charset="0"/>
-                          <a:ea typeface="Times New Roman" charset="0"/>
-                          <a:cs typeface="Times New Roman" charset="0"/>
-                        </a:rPr>
-                        <a:t>1.26(0.005)</a:t>
+                        <a:rPr lang="en-US" sz="1600" dirty="0">
+                          <a:effectLst/>
+                          <a:latin typeface="Times New Roman" charset="0"/>
+                          <a:ea typeface="Times New Roman" charset="0"/>
+                          <a:cs typeface="Times New Roman" charset="0"/>
+                        </a:rPr>
+                        <a:t>0</a:t>
+                      </a:r>
+                      <a:r>
+                        <a:rPr lang="en-US" sz="1600" dirty="0" smtClean="0">
+                          <a:effectLst/>
+                          <a:latin typeface="Times New Roman" charset="0"/>
+                          <a:ea typeface="Times New Roman" charset="0"/>
+                          <a:cs typeface="Times New Roman" charset="0"/>
+                        </a:rPr>
+                        <a:t>.26(0.005</a:t>
+                      </a:r>
+                      <a:r>
+                        <a:rPr lang="en-US" sz="1600" dirty="0">
+                          <a:effectLst/>
+                          <a:latin typeface="Times New Roman" charset="0"/>
+                          <a:ea typeface="Times New Roman" charset="0"/>
+                          <a:cs typeface="Times New Roman" charset="0"/>
+                        </a:rPr>
+                        <a:t>)</a:t>
                       </a:r>
                     </a:p>
                   </a:txBody>
@@ -9475,13 +9898,31 @@
                         </a:spcAft>
                       </a:pPr>
                       <a:r>
-                        <a:rPr lang="en-US" sz="1600">
-                          <a:effectLst/>
-                          <a:latin typeface="Times New Roman" charset="0"/>
-                          <a:ea typeface="Times New Roman" charset="0"/>
-                          <a:cs typeface="Times New Roman" charset="0"/>
-                        </a:rPr>
-                        <a:t>1.20(0.004)</a:t>
+                        <a:rPr lang="en-US" sz="1600" dirty="0">
+                          <a:effectLst/>
+                          <a:latin typeface="Times New Roman" charset="0"/>
+                          <a:ea typeface="Times New Roman" charset="0"/>
+                          <a:cs typeface="Times New Roman" charset="0"/>
+                        </a:rPr>
+                        <a:t>0</a:t>
+                      </a:r>
+                      <a:r>
+                        <a:rPr lang="en-US" sz="1600" dirty="0" smtClean="0">
+                          <a:effectLst/>
+                          <a:latin typeface="Times New Roman" charset="0"/>
+                          <a:ea typeface="Times New Roman" charset="0"/>
+                          <a:cs typeface="Times New Roman" charset="0"/>
+                        </a:rPr>
+                        <a:t>.20(0.004</a:t>
+                      </a:r>
+                      <a:r>
+                        <a:rPr lang="en-US" sz="1600" dirty="0">
+                          <a:effectLst/>
+                          <a:latin typeface="Times New Roman" charset="0"/>
+                          <a:ea typeface="Times New Roman" charset="0"/>
+                          <a:cs typeface="Times New Roman" charset="0"/>
+                        </a:rPr>
+                        <a:t>)</a:t>
                       </a:r>
                     </a:p>
                   </a:txBody>
@@ -9504,7 +9945,7 @@
                         </a:spcAft>
                       </a:pPr>
                       <a:r>
-                        <a:rPr lang="en-US" sz="1600">
+                        <a:rPr lang="en-US" sz="1600" dirty="0">
                           <a:effectLst/>
                           <a:latin typeface="Times New Roman" charset="0"/>
                           <a:ea typeface="Times New Roman" charset="0"/>
@@ -9614,7 +10055,7 @@
           <p:cNvPr id="4" name="Title 1">
             <a:extLst>
               <a:ext uri="{FF2B5EF4-FFF2-40B4-BE49-F238E27FC236}">
-                <a16:creationId xmlns:a16="http://schemas.microsoft.com/office/drawing/2014/main" xmlns="" id="{B9044FBA-2C15-4776-85B5-CD9E89B14046}"/>
+                <a16:creationId xmlns="" xmlns:a16="http://schemas.microsoft.com/office/drawing/2014/main" id="{B9044FBA-2C15-4776-85B5-CD9E89B14046}"/>
               </a:ext>
             </a:extLst>
           </p:cNvPr>
@@ -9655,7 +10096,7 @@
           <p:nvPr>
             <p:extLst>
               <p:ext uri="{D42A27DB-BD31-4B8C-83A1-F6EECF244321}">
-                <p14:modId xmlns:p14="http://schemas.microsoft.com/office/powerpoint/2010/main" val="875303259"/>
+                <p14:modId xmlns:p14="http://schemas.microsoft.com/office/powerpoint/2010/main" val="673842862"/>
               </p:ext>
             </p:extLst>
           </p:nvPr>
@@ -10330,7 +10771,25 @@
                           <a:ea typeface="Times New Roman" charset="0"/>
                           <a:cs typeface="Times New Roman" charset="0"/>
                         </a:rPr>
-                        <a:t>2.48(0.69)</a:t>
+                        <a:t>1</a:t>
+                      </a:r>
+                      <a:r>
+                        <a:rPr lang="en-US" sz="1600" dirty="0" smtClean="0">
+                          <a:effectLst/>
+                          <a:latin typeface="Times New Roman" charset="0"/>
+                          <a:ea typeface="Times New Roman" charset="0"/>
+                          <a:cs typeface="Times New Roman" charset="0"/>
+                        </a:rPr>
+                        <a:t>.48(0.69</a:t>
+                      </a:r>
+                      <a:r>
+                        <a:rPr lang="en-US" sz="1600" dirty="0">
+                          <a:effectLst/>
+                          <a:latin typeface="Times New Roman" charset="0"/>
+                          <a:ea typeface="Times New Roman" charset="0"/>
+                          <a:cs typeface="Times New Roman" charset="0"/>
+                        </a:rPr>
+                        <a:t>)</a:t>
                       </a:r>
                     </a:p>
                   </a:txBody>
@@ -10353,13 +10812,31 @@
                         </a:spcAft>
                       </a:pPr>
                       <a:r>
-                        <a:rPr lang="en-US" sz="1600">
-                          <a:effectLst/>
-                          <a:latin typeface="Times New Roman" charset="0"/>
-                          <a:ea typeface="Times New Roman" charset="0"/>
-                          <a:cs typeface="Times New Roman" charset="0"/>
-                        </a:rPr>
-                        <a:t>2.05(0.74)</a:t>
+                        <a:rPr lang="en-US" sz="1600" dirty="0">
+                          <a:effectLst/>
+                          <a:latin typeface="Times New Roman" charset="0"/>
+                          <a:ea typeface="Times New Roman" charset="0"/>
+                          <a:cs typeface="Times New Roman" charset="0"/>
+                        </a:rPr>
+                        <a:t>1</a:t>
+                      </a:r>
+                      <a:r>
+                        <a:rPr lang="en-US" sz="1600" dirty="0" smtClean="0">
+                          <a:effectLst/>
+                          <a:latin typeface="Times New Roman" charset="0"/>
+                          <a:ea typeface="Times New Roman" charset="0"/>
+                          <a:cs typeface="Times New Roman" charset="0"/>
+                        </a:rPr>
+                        <a:t>.05(0.74</a:t>
+                      </a:r>
+                      <a:r>
+                        <a:rPr lang="en-US" sz="1600" dirty="0">
+                          <a:effectLst/>
+                          <a:latin typeface="Times New Roman" charset="0"/>
+                          <a:ea typeface="Times New Roman" charset="0"/>
+                          <a:cs typeface="Times New Roman" charset="0"/>
+                        </a:rPr>
+                        <a:t>)</a:t>
                       </a:r>
                     </a:p>
                   </a:txBody>
@@ -10382,13 +10859,31 @@
                         </a:spcAft>
                       </a:pPr>
                       <a:r>
-                        <a:rPr lang="en-US" sz="1600">
-                          <a:effectLst/>
-                          <a:latin typeface="Times New Roman" charset="0"/>
-                          <a:ea typeface="Times New Roman" charset="0"/>
-                          <a:cs typeface="Times New Roman" charset="0"/>
-                        </a:rPr>
-                        <a:t>1.42(0.55)</a:t>
+                        <a:rPr lang="en-US" sz="1600" dirty="0">
+                          <a:effectLst/>
+                          <a:latin typeface="Times New Roman" charset="0"/>
+                          <a:ea typeface="Times New Roman" charset="0"/>
+                          <a:cs typeface="Times New Roman" charset="0"/>
+                        </a:rPr>
+                        <a:t>0</a:t>
+                      </a:r>
+                      <a:r>
+                        <a:rPr lang="en-US" sz="1600" dirty="0" smtClean="0">
+                          <a:effectLst/>
+                          <a:latin typeface="Times New Roman" charset="0"/>
+                          <a:ea typeface="Times New Roman" charset="0"/>
+                          <a:cs typeface="Times New Roman" charset="0"/>
+                        </a:rPr>
+                        <a:t>.42(0.55</a:t>
+                      </a:r>
+                      <a:r>
+                        <a:rPr lang="en-US" sz="1600" dirty="0">
+                          <a:effectLst/>
+                          <a:latin typeface="Times New Roman" charset="0"/>
+                          <a:ea typeface="Times New Roman" charset="0"/>
+                          <a:cs typeface="Times New Roman" charset="0"/>
+                        </a:rPr>
+                        <a:t>)</a:t>
                       </a:r>
                     </a:p>
                   </a:txBody>
@@ -10549,13 +11044,22 @@
                         </a:spcAft>
                       </a:pPr>
                       <a:r>
-                        <a:rPr lang="en-US" sz="1600">
-                          <a:effectLst/>
-                          <a:latin typeface="Times New Roman" charset="0"/>
-                          <a:ea typeface="Times New Roman" charset="0"/>
-                          <a:cs typeface="Times New Roman" charset="0"/>
-                        </a:rPr>
-                        <a:t>0.76(0.01)</a:t>
+                        <a:rPr lang="en-US" sz="1600" dirty="0" smtClean="0">
+                          <a:effectLst/>
+                          <a:latin typeface="Times New Roman" charset="0"/>
+                          <a:ea typeface="Times New Roman" charset="0"/>
+                          <a:cs typeface="Times New Roman" charset="0"/>
+                        </a:rPr>
+                        <a:t>-0.24(0.01</a:t>
+                      </a:r>
+                      <a:r>
+                        <a:rPr lang="en-US" sz="1600" dirty="0">
+                          <a:effectLst/>
+                          <a:latin typeface="Times New Roman" charset="0"/>
+                          <a:ea typeface="Times New Roman" charset="0"/>
+                          <a:cs typeface="Times New Roman" charset="0"/>
+                        </a:rPr>
+                        <a:t>)</a:t>
                       </a:r>
                     </a:p>
                   </a:txBody>
@@ -10578,13 +11082,22 @@
                         </a:spcAft>
                       </a:pPr>
                       <a:r>
+                        <a:rPr lang="en-US" sz="1600" dirty="0" smtClean="0">
+                          <a:effectLst/>
+                          <a:latin typeface="Times New Roman" charset="0"/>
+                          <a:ea typeface="Times New Roman" charset="0"/>
+                          <a:cs typeface="Times New Roman" charset="0"/>
+                        </a:rPr>
+                        <a:t>-0.25(0.04</a:t>
+                      </a:r>
+                      <a:r>
                         <a:rPr lang="en-US" sz="1600" dirty="0">
                           <a:effectLst/>
                           <a:latin typeface="Times New Roman" charset="0"/>
                           <a:ea typeface="Times New Roman" charset="0"/>
                           <a:cs typeface="Times New Roman" charset="0"/>
                         </a:rPr>
-                        <a:t>0.75(0.04)</a:t>
+                        <a:t>)</a:t>
                       </a:r>
                     </a:p>
                   </a:txBody>
@@ -10607,13 +11120,22 @@
                         </a:spcAft>
                       </a:pPr>
                       <a:r>
-                        <a:rPr lang="en-US" sz="1600">
-                          <a:effectLst/>
-                          <a:latin typeface="Times New Roman" charset="0"/>
-                          <a:ea typeface="Times New Roman" charset="0"/>
-                          <a:cs typeface="Times New Roman" charset="0"/>
-                        </a:rPr>
-                        <a:t>0.82(0.12)</a:t>
+                        <a:rPr lang="en-US" sz="1600" dirty="0" smtClean="0">
+                          <a:effectLst/>
+                          <a:latin typeface="Times New Roman" charset="0"/>
+                          <a:ea typeface="Times New Roman" charset="0"/>
+                          <a:cs typeface="Times New Roman" charset="0"/>
+                        </a:rPr>
+                        <a:t>-0.18(0.12</a:t>
+                      </a:r>
+                      <a:r>
+                        <a:rPr lang="en-US" sz="1600" dirty="0">
+                          <a:effectLst/>
+                          <a:latin typeface="Times New Roman" charset="0"/>
+                          <a:ea typeface="Times New Roman" charset="0"/>
+                          <a:cs typeface="Times New Roman" charset="0"/>
+                        </a:rPr>
+                        <a:t>)</a:t>
                       </a:r>
                     </a:p>
                   </a:txBody>
@@ -10812,13 +11334,31 @@
                         </a:spcAft>
                       </a:pPr>
                       <a:r>
-                        <a:rPr lang="en-US" sz="1600">
-                          <a:effectLst/>
-                          <a:latin typeface="Times New Roman" charset="0"/>
-                          <a:ea typeface="Times New Roman" charset="0"/>
-                          <a:cs typeface="Times New Roman" charset="0"/>
-                        </a:rPr>
-                        <a:t>2.40(1.04)</a:t>
+                        <a:rPr lang="en-US" sz="1600" dirty="0">
+                          <a:effectLst/>
+                          <a:latin typeface="Times New Roman" charset="0"/>
+                          <a:ea typeface="Times New Roman" charset="0"/>
+                          <a:cs typeface="Times New Roman" charset="0"/>
+                        </a:rPr>
+                        <a:t>1</a:t>
+                      </a:r>
+                      <a:r>
+                        <a:rPr lang="en-US" sz="1600" dirty="0" smtClean="0">
+                          <a:effectLst/>
+                          <a:latin typeface="Times New Roman" charset="0"/>
+                          <a:ea typeface="Times New Roman" charset="0"/>
+                          <a:cs typeface="Times New Roman" charset="0"/>
+                        </a:rPr>
+                        <a:t>.40(1.04</a:t>
+                      </a:r>
+                      <a:r>
+                        <a:rPr lang="en-US" sz="1600" dirty="0">
+                          <a:effectLst/>
+                          <a:latin typeface="Times New Roman" charset="0"/>
+                          <a:ea typeface="Times New Roman" charset="0"/>
+                          <a:cs typeface="Times New Roman" charset="0"/>
+                        </a:rPr>
+                        <a:t>)</a:t>
                       </a:r>
                     </a:p>
                   </a:txBody>
@@ -10841,13 +11381,22 @@
                         </a:spcAft>
                       </a:pPr>
                       <a:r>
+                        <a:rPr lang="en-US" sz="1600" dirty="0" smtClean="0">
+                          <a:effectLst/>
+                          <a:latin typeface="Times New Roman" charset="0"/>
+                          <a:ea typeface="Times New Roman" charset="0"/>
+                          <a:cs typeface="Times New Roman" charset="0"/>
+                        </a:rPr>
+                        <a:t>1.60(0.93</a:t>
+                      </a:r>
+                      <a:r>
                         <a:rPr lang="en-US" sz="1600" dirty="0">
                           <a:effectLst/>
                           <a:latin typeface="Times New Roman" charset="0"/>
                           <a:ea typeface="Times New Roman" charset="0"/>
                           <a:cs typeface="Times New Roman" charset="0"/>
                         </a:rPr>
-                        <a:t>2.60(0.93)</a:t>
+                        <a:t>)</a:t>
                       </a:r>
                     </a:p>
                   </a:txBody>
@@ -10870,13 +11419,31 @@
                         </a:spcAft>
                       </a:pPr>
                       <a:r>
-                        <a:rPr lang="en-US" sz="1600">
-                          <a:effectLst/>
-                          <a:latin typeface="Times New Roman" charset="0"/>
-                          <a:ea typeface="Times New Roman" charset="0"/>
-                          <a:cs typeface="Times New Roman" charset="0"/>
-                        </a:rPr>
-                        <a:t>1.35(0.55)</a:t>
+                        <a:rPr lang="en-US" sz="1600" dirty="0">
+                          <a:effectLst/>
+                          <a:latin typeface="Times New Roman" charset="0"/>
+                          <a:ea typeface="Times New Roman" charset="0"/>
+                          <a:cs typeface="Times New Roman" charset="0"/>
+                        </a:rPr>
+                        <a:t>0</a:t>
+                      </a:r>
+                      <a:r>
+                        <a:rPr lang="en-US" sz="1600" dirty="0" smtClean="0">
+                          <a:effectLst/>
+                          <a:latin typeface="Times New Roman" charset="0"/>
+                          <a:ea typeface="Times New Roman" charset="0"/>
+                          <a:cs typeface="Times New Roman" charset="0"/>
+                        </a:rPr>
+                        <a:t>.35(0.55</a:t>
+                      </a:r>
+                      <a:r>
+                        <a:rPr lang="en-US" sz="1600" dirty="0">
+                          <a:effectLst/>
+                          <a:latin typeface="Times New Roman" charset="0"/>
+                          <a:ea typeface="Times New Roman" charset="0"/>
+                          <a:cs typeface="Times New Roman" charset="0"/>
+                        </a:rPr>
+                        <a:t>)</a:t>
                       </a:r>
                     </a:p>
                   </a:txBody>
@@ -11056,13 +11623,22 @@
                         </a:spcAft>
                       </a:pPr>
                       <a:r>
-                        <a:rPr lang="en-US" sz="1600">
-                          <a:effectLst/>
-                          <a:latin typeface="Times New Roman" charset="0"/>
-                          <a:ea typeface="Times New Roman" charset="0"/>
-                          <a:cs typeface="Times New Roman" charset="0"/>
-                        </a:rPr>
-                        <a:t>0.67(0.01)</a:t>
+                        <a:rPr lang="en-US" sz="1600" dirty="0" smtClean="0">
+                          <a:effectLst/>
+                          <a:latin typeface="Times New Roman" charset="0"/>
+                          <a:ea typeface="Times New Roman" charset="0"/>
+                          <a:cs typeface="Times New Roman" charset="0"/>
+                        </a:rPr>
+                        <a:t>-0.33(0.01</a:t>
+                      </a:r>
+                      <a:r>
+                        <a:rPr lang="en-US" sz="1600" dirty="0">
+                          <a:effectLst/>
+                          <a:latin typeface="Times New Roman" charset="0"/>
+                          <a:ea typeface="Times New Roman" charset="0"/>
+                          <a:cs typeface="Times New Roman" charset="0"/>
+                        </a:rPr>
+                        <a:t>)</a:t>
                       </a:r>
                     </a:p>
                   </a:txBody>
@@ -11085,13 +11661,22 @@
                         </a:spcAft>
                       </a:pPr>
                       <a:r>
-                        <a:rPr lang="en-US" sz="1600">
-                          <a:effectLst/>
-                          <a:latin typeface="Times New Roman" charset="0"/>
-                          <a:ea typeface="Times New Roman" charset="0"/>
-                          <a:cs typeface="Times New Roman" charset="0"/>
-                        </a:rPr>
-                        <a:t>0.65(0.01)</a:t>
+                        <a:rPr lang="en-US" sz="1600" dirty="0" smtClean="0">
+                          <a:effectLst/>
+                          <a:latin typeface="Times New Roman" charset="0"/>
+                          <a:ea typeface="Times New Roman" charset="0"/>
+                          <a:cs typeface="Times New Roman" charset="0"/>
+                        </a:rPr>
+                        <a:t>-0.35(0.01</a:t>
+                      </a:r>
+                      <a:r>
+                        <a:rPr lang="en-US" sz="1600" dirty="0">
+                          <a:effectLst/>
+                          <a:latin typeface="Times New Roman" charset="0"/>
+                          <a:ea typeface="Times New Roman" charset="0"/>
+                          <a:cs typeface="Times New Roman" charset="0"/>
+                        </a:rPr>
+                        <a:t>)</a:t>
                       </a:r>
                     </a:p>
                   </a:txBody>
@@ -11114,13 +11699,22 @@
                         </a:spcAft>
                       </a:pPr>
                       <a:r>
-                        <a:rPr lang="en-US" sz="1600">
-                          <a:effectLst/>
-                          <a:latin typeface="Times New Roman" charset="0"/>
-                          <a:ea typeface="Times New Roman" charset="0"/>
-                          <a:cs typeface="Times New Roman" charset="0"/>
-                        </a:rPr>
-                        <a:t>0.65(0.01)</a:t>
+                        <a:rPr lang="en-US" sz="1600" dirty="0" smtClean="0">
+                          <a:effectLst/>
+                          <a:latin typeface="Times New Roman" charset="0"/>
+                          <a:ea typeface="Times New Roman" charset="0"/>
+                          <a:cs typeface="Times New Roman" charset="0"/>
+                        </a:rPr>
+                        <a:t>-0.35(0.01</a:t>
+                      </a:r>
+                      <a:r>
+                        <a:rPr lang="en-US" sz="1600" dirty="0">
+                          <a:effectLst/>
+                          <a:latin typeface="Times New Roman" charset="0"/>
+                          <a:ea typeface="Times New Roman" charset="0"/>
+                          <a:cs typeface="Times New Roman" charset="0"/>
+                        </a:rPr>
+                        <a:t>)</a:t>
                       </a:r>
                     </a:p>
                   </a:txBody>
@@ -11253,7 +11847,7 @@
           <p:cNvPr id="4" name="Title 1">
             <a:extLst>
               <a:ext uri="{FF2B5EF4-FFF2-40B4-BE49-F238E27FC236}">
-                <a16:creationId xmlns:a16="http://schemas.microsoft.com/office/drawing/2014/main" xmlns="" id="{4683428C-8AE5-40CD-B6A5-57AF205104BC}"/>
+                <a16:creationId xmlns="" xmlns:a16="http://schemas.microsoft.com/office/drawing/2014/main" id="{4683428C-8AE5-40CD-B6A5-57AF205104BC}"/>
               </a:ext>
             </a:extLst>
           </p:cNvPr>
@@ -11293,8 +11887,8 @@
         </p:nvSpPr>
         <p:spPr>
           <a:xfrm>
-            <a:off x="1740309" y="2061855"/>
-            <a:ext cx="9955162" cy="3352328"/>
+            <a:off x="1696064" y="1752139"/>
+            <a:ext cx="9955162" cy="4011226"/>
           </a:xfrm>
           <a:prstGeom prst="rect">
             <a:avLst/>
@@ -11305,34 +11899,6 @@
             <a:spAutoFit/>
           </a:bodyPr>
           <a:lstStyle/>
-          <a:p>
-            <a:pPr marL="342900" marR="0" lvl="0" indent="-342900">
-              <a:lnSpc>
-                <a:spcPct val="107000"/>
-              </a:lnSpc>
-              <a:spcBef>
-                <a:spcPts val="0"/>
-              </a:spcBef>
-              <a:spcAft>
-                <a:spcPts val="0"/>
-              </a:spcAft>
-              <a:buFont typeface="Symbol" charset="2"/>
-              <a:buChar char=""/>
-            </a:pPr>
-            <a:r>
-              <a:rPr lang="en-US" dirty="0">
-                <a:latin typeface="Calibri" charset="0"/>
-                <a:ea typeface="等线" charset="-122"/>
-                <a:cs typeface="Calibri" charset="0"/>
-              </a:rPr>
-              <a:t>With all three subsampling methods, the relative errors are all considerably large. </a:t>
-            </a:r>
-            <a:endParaRPr lang="en-US" dirty="0" smtClean="0">
-              <a:latin typeface="Calibri" charset="0"/>
-              <a:ea typeface="等线" charset="-122"/>
-              <a:cs typeface="Calibri" charset="0"/>
-            </a:endParaRPr>
-          </a:p>
           <a:p>
             <a:pPr marL="342900" marR="0" lvl="0" indent="-342900">
               <a:lnSpc>
@@ -11368,7 +11934,7 @@
               <a:buChar char=""/>
             </a:pPr>
             <a:r>
-              <a:rPr lang="en-US" dirty="0">
+              <a:rPr lang="en-US" sz="2000" dirty="0">
                 <a:latin typeface="Calibri" charset="0"/>
                 <a:ea typeface="等线" charset="-122"/>
                 <a:cs typeface="Calibri" charset="0"/>
@@ -11376,7 +11942,7 @@
               <a:t>The CS method takes a long time to generate the </a:t>
             </a:r>
             <a:r>
-              <a:rPr lang="en-US" dirty="0" err="1">
+              <a:rPr lang="en-US" sz="2000" dirty="0" err="1">
                 <a:latin typeface="Calibri" charset="0"/>
                 <a:ea typeface="等线" charset="-122"/>
                 <a:cs typeface="Calibri" charset="0"/>
@@ -11384,20 +11950,20 @@
               <a:t>coresets</a:t>
             </a:r>
             <a:r>
-              <a:rPr lang="en-US" dirty="0">
+              <a:rPr lang="en-US" sz="2000" dirty="0">
                 <a:latin typeface="Calibri" charset="0"/>
                 <a:ea typeface="等线" charset="-122"/>
                 <a:cs typeface="Calibri" charset="0"/>
               </a:rPr>
-              <a:t> which largely limits its usage in practice. It might still be useful when memory is the bottleneck for performing clustering methods. A potential improvement can be implement CS algorithm in parallel. Due to time limitations, we didn’t do that in this project</a:t>
+              <a:t> which largely limits its usage in practice. It might still be useful when memory is the bottleneck for performing clustering methods. A potential improvement can be implement CS algorithm in parallel. Due to time limitations, we didn’t do that in this </a:t>
             </a:r>
             <a:r>
-              <a:rPr lang="en-US" dirty="0" smtClean="0">
+              <a:rPr lang="en-US" sz="2000" dirty="0" smtClean="0">
                 <a:latin typeface="Calibri" charset="0"/>
                 <a:ea typeface="等线" charset="-122"/>
                 <a:cs typeface="Calibri" charset="0"/>
               </a:rPr>
-              <a:t>.</a:t>
+              <a:t>project.</a:t>
             </a:r>
           </a:p>
           <a:p>
@@ -11414,7 +11980,7 @@
               <a:buFont typeface="Symbol" charset="2"/>
               <a:buChar char=""/>
             </a:pPr>
-            <a:endParaRPr lang="en-US" dirty="0">
+            <a:endParaRPr lang="en-US" sz="2000" dirty="0">
               <a:latin typeface="Calibri" charset="0"/>
               <a:ea typeface="等线" charset="-122"/>
               <a:cs typeface="Calibri" charset="0"/>
@@ -11435,18 +12001,21 @@
               <a:buChar char=""/>
             </a:pPr>
             <a:r>
-              <a:rPr lang="en-US" dirty="0">
+              <a:rPr lang="en-US" sz="2000" dirty="0" smtClean="0">
                 <a:latin typeface="Calibri" charset="0"/>
                 <a:ea typeface="等线" charset="-122"/>
                 <a:cs typeface="Calibri" charset="0"/>
               </a:rPr>
-              <a:t>The UNIFORM method provides the best speedup. </a:t>
+              <a:t>The UNIFORM method provides the best speedup, but its performances depends on different datasets.</a:t>
             </a:r>
-            <a:endParaRPr lang="en-US" dirty="0" smtClean="0">
-              <a:latin typeface="Calibri" charset="0"/>
-              <a:ea typeface="等线" charset="-122"/>
-              <a:cs typeface="Calibri" charset="0"/>
-            </a:endParaRPr>
+            <a:r>
+              <a:rPr lang="en-US" sz="2000" dirty="0" smtClean="0"/>
+              <a:t> </a:t>
+            </a:r>
+            <a:r>
+              <a:rPr lang="en-US" sz="2000" dirty="0"/>
+              <a:t>If a dataset has a small fraction of points that have a large impact on the objective function, the UNIFORM method is likely to perform poorly.</a:t>
+            </a:r>
           </a:p>
           <a:p>
             <a:pPr marL="342900" marR="0" lvl="0" indent="-342900">
@@ -11462,7 +12031,7 @@
               <a:buFont typeface="Symbol" charset="2"/>
               <a:buChar char=""/>
             </a:pPr>
-            <a:endParaRPr lang="en-US" dirty="0">
+            <a:endParaRPr lang="en-US" sz="2000" dirty="0">
               <a:latin typeface="Calibri" charset="0"/>
               <a:ea typeface="等线" charset="-122"/>
               <a:cs typeface="Calibri" charset="0"/>
@@ -11483,14 +12052,14 @@
               <a:buChar char=""/>
             </a:pPr>
             <a:r>
-              <a:rPr lang="en-US" dirty="0">
+              <a:rPr lang="en-US" sz="2000" dirty="0">
                 <a:latin typeface="Calibri" charset="0"/>
                 <a:ea typeface="等线" charset="-122"/>
                 <a:cs typeface="Calibri" charset="0"/>
               </a:rPr>
               <a:t>The LWCS gives the best performance in general. It gives noticeable speedup compared with full dataset. And the relative errors are smaller than UNIFORM.</a:t>
             </a:r>
-            <a:endParaRPr lang="en-US" dirty="0">
+            <a:endParaRPr lang="en-US" sz="2000" dirty="0">
               <a:effectLst/>
               <a:latin typeface="Calibri" charset="0"/>
               <a:ea typeface="等线" charset="-122"/>
@@ -11594,7 +12163,7 @@
           <p:cNvPr id="2" name="Title 1">
             <a:extLst>
               <a:ext uri="{FF2B5EF4-FFF2-40B4-BE49-F238E27FC236}">
-                <a16:creationId xmlns:a16="http://schemas.microsoft.com/office/drawing/2014/main" xmlns="" id="{6BC7948D-5398-4B95-9737-6740FBF04DFA}"/>
+                <a16:creationId xmlns="" xmlns:a16="http://schemas.microsoft.com/office/drawing/2014/main" id="{6BC7948D-5398-4B95-9737-6740FBF04DFA}"/>
               </a:ext>
             </a:extLst>
           </p:cNvPr>
@@ -11630,7 +12199,7 @@
           <p:cNvPr id="3" name="Content Placeholder 2">
             <a:extLst>
               <a:ext uri="{FF2B5EF4-FFF2-40B4-BE49-F238E27FC236}">
-                <a16:creationId xmlns:a16="http://schemas.microsoft.com/office/drawing/2014/main" xmlns="" id="{BDC2CF02-21E7-448A-9210-23A8C808A271}"/>
+                <a16:creationId xmlns="" xmlns:a16="http://schemas.microsoft.com/office/drawing/2014/main" id="{BDC2CF02-21E7-448A-9210-23A8C808A271}"/>
               </a:ext>
             </a:extLst>
           </p:cNvPr>
@@ -11711,7 +12280,7 @@
           <p:cNvPr id="3" name="Content Placeholder 2">
             <a:extLst>
               <a:ext uri="{FF2B5EF4-FFF2-40B4-BE49-F238E27FC236}">
-                <a16:creationId xmlns:a16="http://schemas.microsoft.com/office/drawing/2014/main" xmlns="" id="{59F030AB-4CBE-4281-9876-4F575953FE48}"/>
+                <a16:creationId xmlns="" xmlns:a16="http://schemas.microsoft.com/office/drawing/2014/main" id="{59F030AB-4CBE-4281-9876-4F575953FE48}"/>
               </a:ext>
             </a:extLst>
           </p:cNvPr>
@@ -11789,7 +12358,7 @@
           <p:cNvPr id="4" name="Title 1">
             <a:extLst>
               <a:ext uri="{FF2B5EF4-FFF2-40B4-BE49-F238E27FC236}">
-                <a16:creationId xmlns:a16="http://schemas.microsoft.com/office/drawing/2014/main" xmlns="" id="{A6AAFB05-FDA6-4FE7-8565-42659AE80E8F}"/>
+                <a16:creationId xmlns="" xmlns:a16="http://schemas.microsoft.com/office/drawing/2014/main" id="{A6AAFB05-FDA6-4FE7-8565-42659AE80E8F}"/>
               </a:ext>
             </a:extLst>
           </p:cNvPr>
@@ -11857,7 +12426,7 @@
               <p:cNvPr id="3" name="Content Placeholder 2">
                 <a:extLst>
                   <a:ext uri="{FF2B5EF4-FFF2-40B4-BE49-F238E27FC236}">
-                    <a16:creationId xmlns:a16="http://schemas.microsoft.com/office/drawing/2014/main" xmlns="" id="{B741B4EC-24D6-4DB0-89EF-C415949BDACC}"/>
+                    <a16:creationId xmlns="" xmlns:a16="http://schemas.microsoft.com/office/drawing/2014/main" id="{B741B4EC-24D6-4DB0-89EF-C415949BDACC}"/>
                   </a:ext>
                 </a:extLst>
               </p:cNvPr>
@@ -12241,7 +12810,7 @@
               <p:cNvPr id="3" name="Content Placeholder 2">
                 <a:extLst>
                   <a:ext uri="{FF2B5EF4-FFF2-40B4-BE49-F238E27FC236}">
-                    <a16:creationId xmlns:a16="http://schemas.microsoft.com/office/drawing/2014/main" xmlns="" id="{1E65BED3-3F37-408E-97E1-BC1194457132}"/>
+                    <a16:creationId xmlns="" xmlns:a16="http://schemas.microsoft.com/office/drawing/2014/main" id="{1E65BED3-3F37-408E-97E1-BC1194457132}"/>
                   </a:ext>
                 </a:extLst>
               </p:cNvPr>
@@ -12686,7 +13255,7 @@
           <p:cNvPr id="4" name="Title 1">
             <a:extLst>
               <a:ext uri="{FF2B5EF4-FFF2-40B4-BE49-F238E27FC236}">
-                <a16:creationId xmlns:a16="http://schemas.microsoft.com/office/drawing/2014/main" xmlns="" id="{0A2EF33A-24D6-42A4-91CA-96C741D9CA87}"/>
+                <a16:creationId xmlns="" xmlns:a16="http://schemas.microsoft.com/office/drawing/2014/main" id="{0A2EF33A-24D6-42A4-91CA-96C741D9CA87}"/>
               </a:ext>
             </a:extLst>
           </p:cNvPr>
@@ -12752,7 +13321,7 @@
           <p:cNvPr id="9" name="Title 1">
             <a:extLst>
               <a:ext uri="{FF2B5EF4-FFF2-40B4-BE49-F238E27FC236}">
-                <a16:creationId xmlns:a16="http://schemas.microsoft.com/office/drawing/2014/main" xmlns="" id="{7AD7B9C7-3A98-4E96-ABED-BF40B6BB2624}"/>
+                <a16:creationId xmlns="" xmlns:a16="http://schemas.microsoft.com/office/drawing/2014/main" id="{7AD7B9C7-3A98-4E96-ABED-BF40B6BB2624}"/>
               </a:ext>
             </a:extLst>
           </p:cNvPr>
@@ -12865,7 +13434,7 @@
           <p:cNvPr id="10" name="Content Placeholder 9">
             <a:extLst>
               <a:ext uri="{FF2B5EF4-FFF2-40B4-BE49-F238E27FC236}">
-                <a16:creationId xmlns:a16="http://schemas.microsoft.com/office/drawing/2014/main" xmlns="" id="{F5D495C4-4651-47CA-9FBE-72609B226319}"/>
+                <a16:creationId xmlns="" xmlns:a16="http://schemas.microsoft.com/office/drawing/2014/main" id="{F5D495C4-4651-47CA-9FBE-72609B226319}"/>
               </a:ext>
             </a:extLst>
           </p:cNvPr>
@@ -12938,7 +13507,7 @@
           <p:cNvPr id="3" name="Content Placeholder 2">
             <a:extLst>
               <a:ext uri="{FF2B5EF4-FFF2-40B4-BE49-F238E27FC236}">
-                <a16:creationId xmlns:a16="http://schemas.microsoft.com/office/drawing/2014/main" xmlns="" id="{9A81FA76-1291-4E87-9519-0116A18E91C6}"/>
+                <a16:creationId xmlns="" xmlns:a16="http://schemas.microsoft.com/office/drawing/2014/main" id="{9A81FA76-1291-4E87-9519-0116A18E91C6}"/>
               </a:ext>
             </a:extLst>
           </p:cNvPr>
@@ -13040,7 +13609,7 @@
           <p:cNvPr id="4" name="Title 1">
             <a:extLst>
               <a:ext uri="{FF2B5EF4-FFF2-40B4-BE49-F238E27FC236}">
-                <a16:creationId xmlns:a16="http://schemas.microsoft.com/office/drawing/2014/main" xmlns="" id="{FDCEF05C-FF41-44AF-954A-9FA4CBC79F44}"/>
+                <a16:creationId xmlns="" xmlns:a16="http://schemas.microsoft.com/office/drawing/2014/main" id="{FDCEF05C-FF41-44AF-954A-9FA4CBC79F44}"/>
               </a:ext>
             </a:extLst>
           </p:cNvPr>
@@ -13164,7 +13733,7 @@
           <p:cNvPr id="3" name="Content Placeholder 2">
             <a:extLst>
               <a:ext uri="{FF2B5EF4-FFF2-40B4-BE49-F238E27FC236}">
-                <a16:creationId xmlns:a16="http://schemas.microsoft.com/office/drawing/2014/main" xmlns="" id="{6E23B33E-5480-444C-979E-84D42E38A8F7}"/>
+                <a16:creationId xmlns="" xmlns:a16="http://schemas.microsoft.com/office/drawing/2014/main" id="{6E23B33E-5480-444C-979E-84D42E38A8F7}"/>
               </a:ext>
             </a:extLst>
           </p:cNvPr>
@@ -13218,7 +13787,7 @@
           <p:cNvPr id="4" name="Title 1">
             <a:extLst>
               <a:ext uri="{FF2B5EF4-FFF2-40B4-BE49-F238E27FC236}">
-                <a16:creationId xmlns:a16="http://schemas.microsoft.com/office/drawing/2014/main" xmlns="" id="{AA34F9D0-D07C-4E93-B459-6ED3118102F1}"/>
+                <a16:creationId xmlns="" xmlns:a16="http://schemas.microsoft.com/office/drawing/2014/main" id="{AA34F9D0-D07C-4E93-B459-6ED3118102F1}"/>
               </a:ext>
             </a:extLst>
           </p:cNvPr>
@@ -13333,7 +13902,7 @@
               <p:cNvPr id="5" name="Text Box 2">
                 <a:extLst>
                   <a:ext uri="{FF2B5EF4-FFF2-40B4-BE49-F238E27FC236}">
-                    <a16:creationId xmlns:a16="http://schemas.microsoft.com/office/drawing/2014/main" xmlns="" id="{87555DF4-5D56-4BD5-887B-914819799E81}"/>
+                    <a16:creationId xmlns="" xmlns:a16="http://schemas.microsoft.com/office/drawing/2014/main" id="{87555DF4-5D56-4BD5-887B-914819799E81}"/>
                   </a:ext>
                 </a:extLst>
               </p:cNvPr>
